--- a/Разработка системы прогнозов тендерных закупок.pptx
+++ b/Разработка системы прогнозов тендерных закупок.pptx
@@ -273,7 +273,7 @@
       </p15:sldGuideLst>
     </p:ext>
     <p:ext uri="http://customooxmlschemas.google.com/">
-      <go:slidesCustomData xmlns:go="http://customooxmlschemas.google.com/" xmlns:ahyp="http://schemas.microsoft.com/office/drawing/2018/hyperlinkcolor" xmlns:p15="http://schemas.microsoft.com/office/powerpoint/2012/main" xmlns:p14="http://schemas.microsoft.com/office/powerpoint/2010/main" xmlns:com="http://schemas.openxmlformats.org/drawingml/2006/compatibility" xmlns:pvml="urn:schemas-microsoft-com:office:powerpoint" xmlns:v="urn:schemas-microsoft-com:vml" xmlns:o="urn:schemas-microsoft-com:office:office" xmlns:dgm="http://schemas.openxmlformats.org/drawingml/2006/diagram" xmlns:c="http://schemas.openxmlformats.org/drawingml/2006/chart" xmlns:mv="urn:schemas-microsoft-com:mac:vml" xmlns:mc="http://schemas.openxmlformats.org/markup-compatibility/2006" xmlns="" r:id="rId20" roundtripDataSignature="AMtx7miaRC3Db5QTPOQQiqI7aRcTDQIXQg=="/>
+      <go:slidesCustomData xmlns="" xmlns:mc="http://schemas.openxmlformats.org/markup-compatibility/2006" xmlns:mv="urn:schemas-microsoft-com:mac:vml" xmlns:c="http://schemas.openxmlformats.org/drawingml/2006/chart" xmlns:dgm="http://schemas.openxmlformats.org/drawingml/2006/diagram" xmlns:o="urn:schemas-microsoft-com:office:office" xmlns:v="urn:schemas-microsoft-com:vml" xmlns:pvml="urn:schemas-microsoft-com:office:powerpoint" xmlns:com="http://schemas.openxmlformats.org/drawingml/2006/compatibility" xmlns:p14="http://schemas.microsoft.com/office/powerpoint/2010/main" xmlns:p15="http://schemas.microsoft.com/office/powerpoint/2012/main" xmlns:ahyp="http://schemas.microsoft.com/office/drawing/2018/hyperlinkcolor" xmlns:go="http://customooxmlschemas.google.com/" r:id="rId20" roundtripDataSignature="AMtx7miaRC3Db5QTPOQQiqI7aRcTDQIXQg=="/>
     </p:ext>
   </p:extLst>
 </p:presentation>
@@ -15108,29 +15108,31 @@
       </p:sp>
       <p:pic>
         <p:nvPicPr>
-          <p:cNvPr id="152" name="Google Shape;152;p7"/>
-          <p:cNvPicPr preferRelativeResize="0"/>
+          <p:cNvPr id="7" name="Рисунок 6">
+            <a:extLst>
+              <a:ext uri="{FF2B5EF4-FFF2-40B4-BE49-F238E27FC236}">
+                <a16:creationId xmlns:a16="http://schemas.microsoft.com/office/drawing/2014/main" id="{C40EE7CA-F151-48AE-B216-84891804BC1D}"/>
+              </a:ext>
+            </a:extLst>
+          </p:cNvPr>
+          <p:cNvPicPr>
+            <a:picLocks noChangeAspect="1"/>
+          </p:cNvPicPr>
           <p:nvPr/>
         </p:nvPicPr>
         <p:blipFill rotWithShape="1">
-          <a:blip r:embed="rId3">
-            <a:alphaModFix/>
-          </a:blip>
-          <a:srcRect l="7050" t="39920" r="60505" b="40596"/>
+          <a:blip r:embed="rId3"/>
+          <a:srcRect l="7222" t="33078" r="61204" b="45512"/>
           <a:stretch/>
         </p:blipFill>
         <p:spPr>
           <a:xfrm>
-            <a:off x="706650" y="1267887"/>
-            <a:ext cx="7730700" cy="2607725"/>
+            <a:off x="1818123" y="1521883"/>
+            <a:ext cx="5507754" cy="2099733"/>
           </a:xfrm>
           <a:prstGeom prst="rect">
             <a:avLst/>
           </a:prstGeom>
-          <a:noFill/>
-          <a:ln>
-            <a:noFill/>
-          </a:ln>
         </p:spPr>
       </p:pic>
     </p:spTree>
@@ -15327,20 +15329,32 @@
               <a:buChar char="●"/>
             </a:pPr>
             <a:r>
-              <a:rPr lang="en-GB" dirty="0">
+              <a:rPr lang="en-US" dirty="0">
                 <a:latin typeface="Times New Roman"/>
                 <a:ea typeface="Times New Roman"/>
                 <a:cs typeface="Times New Roman"/>
                 <a:sym typeface="Times New Roman"/>
               </a:rPr>
-              <a:t> [37.6665, 'time'],</a:t>
-            </a:r>
-            <a:endParaRPr dirty="0">
-              <a:latin typeface="Times New Roman"/>
-              <a:ea typeface="Times New Roman"/>
-              <a:cs typeface="Times New Roman"/>
-              <a:sym typeface="Times New Roman"/>
-            </a:endParaRPr>
+              <a:t>[58.9932, '</a:t>
+            </a:r>
+            <a:r>
+              <a:rPr lang="en-US" dirty="0" err="1">
+                <a:latin typeface="Times New Roman"/>
+                <a:ea typeface="Times New Roman"/>
+                <a:cs typeface="Times New Roman"/>
+                <a:sym typeface="Times New Roman"/>
+              </a:rPr>
+              <a:t>product_code</a:t>
+            </a:r>
+            <a:r>
+              <a:rPr lang="en-US" dirty="0">
+                <a:latin typeface="Times New Roman"/>
+                <a:ea typeface="Times New Roman"/>
+                <a:cs typeface="Times New Roman"/>
+                <a:sym typeface="Times New Roman"/>
+              </a:rPr>
+              <a:t>’] </a:t>
+            </a:r>
           </a:p>
           <a:p>
             <a:pPr marL="457200" lvl="0" indent="-342900" algn="l" rtl="0">
@@ -15355,151 +15369,31 @@
               <a:buChar char="●"/>
             </a:pPr>
             <a:r>
-              <a:rPr lang="en-GB" dirty="0">
+              <a:rPr lang="en-US" dirty="0">
                 <a:latin typeface="Times New Roman"/>
                 <a:ea typeface="Times New Roman"/>
                 <a:cs typeface="Times New Roman"/>
                 <a:sym typeface="Times New Roman"/>
               </a:rPr>
-              <a:t> [28.0745, '</a:t>
-            </a:r>
-            <a:r>
-              <a:rPr lang="en-GB" dirty="0" err="1">
+              <a:t>[41.0068, '</a:t>
+            </a:r>
+            <a:r>
+              <a:rPr lang="en-US" dirty="0" err="1">
                 <a:latin typeface="Times New Roman"/>
                 <a:ea typeface="Times New Roman"/>
                 <a:cs typeface="Times New Roman"/>
                 <a:sym typeface="Times New Roman"/>
               </a:rPr>
-              <a:t>product_code</a:t>
-            </a:r>
-            <a:r>
-              <a:rPr lang="en-GB" dirty="0">
+              <a:t>customer_legal_form</a:t>
+            </a:r>
+            <a:r>
+              <a:rPr lang="en-US" dirty="0">
                 <a:latin typeface="Times New Roman"/>
                 <a:ea typeface="Times New Roman"/>
                 <a:cs typeface="Times New Roman"/>
                 <a:sym typeface="Times New Roman"/>
               </a:rPr>
-              <a:t>'],</a:t>
-            </a:r>
-            <a:endParaRPr dirty="0">
-              <a:latin typeface="Times New Roman"/>
-              <a:ea typeface="Times New Roman"/>
-              <a:cs typeface="Times New Roman"/>
-              <a:sym typeface="Times New Roman"/>
-            </a:endParaRPr>
-          </a:p>
-          <a:p>
-            <a:pPr marL="457200" lvl="0" indent="-342900" algn="l" rtl="0">
-              <a:spcBef>
-                <a:spcPts val="0"/>
-              </a:spcBef>
-              <a:spcAft>
-                <a:spcPts val="0"/>
-              </a:spcAft>
-              <a:buSzPts val="1800"/>
-              <a:buFont typeface="Times New Roman"/>
-              <a:buChar char="●"/>
-            </a:pPr>
-            <a:r>
-              <a:rPr lang="en-GB" dirty="0">
-                <a:latin typeface="Times New Roman"/>
-                <a:ea typeface="Times New Roman"/>
-                <a:cs typeface="Times New Roman"/>
-                <a:sym typeface="Times New Roman"/>
-              </a:rPr>
-              <a:t> [19.3797, '</a:t>
-            </a:r>
-            <a:r>
-              <a:rPr lang="en-GB" dirty="0" err="1">
-                <a:latin typeface="Times New Roman"/>
-                <a:ea typeface="Times New Roman"/>
-                <a:cs typeface="Times New Roman"/>
-                <a:sym typeface="Times New Roman"/>
-              </a:rPr>
-              <a:t>supplier_legal_form</a:t>
-            </a:r>
-            <a:r>
-              <a:rPr lang="en-GB" dirty="0">
-                <a:latin typeface="Times New Roman"/>
-                <a:ea typeface="Times New Roman"/>
-                <a:cs typeface="Times New Roman"/>
-                <a:sym typeface="Times New Roman"/>
-              </a:rPr>
-              <a:t>'],</a:t>
-            </a:r>
-            <a:endParaRPr dirty="0">
-              <a:latin typeface="Times New Roman"/>
-              <a:ea typeface="Times New Roman"/>
-              <a:cs typeface="Times New Roman"/>
-              <a:sym typeface="Times New Roman"/>
-            </a:endParaRPr>
-          </a:p>
-          <a:p>
-            <a:pPr marL="457200" lvl="0" indent="-342900" algn="l" rtl="0">
-              <a:spcBef>
-                <a:spcPts val="0"/>
-              </a:spcBef>
-              <a:spcAft>
-                <a:spcPts val="0"/>
-              </a:spcAft>
-              <a:buSzPts val="1800"/>
-              <a:buFont typeface="Times New Roman"/>
-              <a:buChar char="●"/>
-            </a:pPr>
-            <a:r>
-              <a:rPr lang="en-GB" dirty="0">
-                <a:latin typeface="Times New Roman"/>
-                <a:ea typeface="Times New Roman"/>
-                <a:cs typeface="Times New Roman"/>
-                <a:sym typeface="Times New Roman"/>
-              </a:rPr>
-              <a:t> [14.8793, '</a:t>
-            </a:r>
-            <a:r>
-              <a:rPr lang="en-GB" dirty="0" err="1">
-                <a:latin typeface="Times New Roman"/>
-                <a:ea typeface="Times New Roman"/>
-                <a:cs typeface="Times New Roman"/>
-                <a:sym typeface="Times New Roman"/>
-              </a:rPr>
-              <a:t>customer_legal_form</a:t>
-            </a:r>
-            <a:r>
-              <a:rPr lang="en-GB" dirty="0">
-                <a:latin typeface="Times New Roman"/>
-                <a:ea typeface="Times New Roman"/>
-                <a:cs typeface="Times New Roman"/>
-                <a:sym typeface="Times New Roman"/>
-              </a:rPr>
-              <a:t>'],</a:t>
-            </a:r>
-            <a:endParaRPr dirty="0">
-              <a:latin typeface="Times New Roman"/>
-              <a:ea typeface="Times New Roman"/>
-              <a:cs typeface="Times New Roman"/>
-              <a:sym typeface="Times New Roman"/>
-            </a:endParaRPr>
-          </a:p>
-          <a:p>
-            <a:pPr marL="457200" lvl="0" indent="-342900" algn="l" rtl="0">
-              <a:spcBef>
-                <a:spcPts val="0"/>
-              </a:spcBef>
-              <a:spcAft>
-                <a:spcPts val="0"/>
-              </a:spcAft>
-              <a:buSzPts val="1800"/>
-              <a:buFont typeface="Times New Roman"/>
-              <a:buChar char="●"/>
-            </a:pPr>
-            <a:r>
-              <a:rPr lang="en-GB" dirty="0">
-                <a:latin typeface="Times New Roman"/>
-                <a:ea typeface="Times New Roman"/>
-                <a:cs typeface="Times New Roman"/>
-                <a:sym typeface="Times New Roman"/>
-              </a:rPr>
-              <a:t> [0.0, 'price’]</a:t>
+              <a:t>’]</a:t>
             </a:r>
           </a:p>
           <a:p>
@@ -15865,29 +15759,31 @@
       </p:sp>
       <p:pic>
         <p:nvPicPr>
-          <p:cNvPr id="173" name="Google Shape;173;p9"/>
-          <p:cNvPicPr preferRelativeResize="0"/>
+          <p:cNvPr id="7" name="Рисунок 6">
+            <a:extLst>
+              <a:ext uri="{FF2B5EF4-FFF2-40B4-BE49-F238E27FC236}">
+                <a16:creationId xmlns:a16="http://schemas.microsoft.com/office/drawing/2014/main" id="{B859D28C-596A-4A2E-AC84-7BB8C99E015F}"/>
+              </a:ext>
+            </a:extLst>
+          </p:cNvPr>
+          <p:cNvPicPr>
+            <a:picLocks noChangeAspect="1"/>
+          </p:cNvPicPr>
           <p:nvPr/>
         </p:nvPicPr>
         <p:blipFill rotWithShape="1">
-          <a:blip r:embed="rId3">
-            <a:alphaModFix/>
-          </a:blip>
-          <a:srcRect l="7050" t="36935" r="60064" b="44473"/>
+          <a:blip r:embed="rId3"/>
+          <a:srcRect l="6759" t="27002" r="56204" b="49489"/>
           <a:stretch/>
         </p:blipFill>
         <p:spPr>
           <a:xfrm>
-            <a:off x="702250" y="1344375"/>
-            <a:ext cx="7739475" cy="2454750"/>
+            <a:off x="1931172" y="1629304"/>
+            <a:ext cx="5281656" cy="1884892"/>
           </a:xfrm>
           <a:prstGeom prst="rect">
             <a:avLst/>
           </a:prstGeom>
-          <a:noFill/>
-          <a:ln>
-            <a:noFill/>
-          </a:ln>
         </p:spPr>
       </p:pic>
     </p:spTree>
@@ -15978,7 +15874,7 @@
         <p:spPr/>
         <p:txBody>
           <a:bodyPr>
-            <a:normAutofit fontScale="92500" lnSpcReduction="10000"/>
+            <a:normAutofit/>
           </a:bodyPr>
           <a:lstStyle/>
           <a:p>
@@ -15987,21 +15883,21 @@
                 <a:latin typeface="Times New Roman"/>
                 <a:cs typeface="Times New Roman"/>
               </a:rPr>
-              <a:t>[82.0999, '</a:t>
+              <a:t>[63.9604, '</a:t>
             </a:r>
             <a:r>
               <a:rPr lang="en-US" dirty="0" err="1">
                 <a:latin typeface="Times New Roman"/>
                 <a:cs typeface="Times New Roman"/>
               </a:rPr>
-              <a:t>plan_number</a:t>
+              <a:t>customer_legal_form</a:t>
             </a:r>
             <a:r>
               <a:rPr lang="en-US" dirty="0">
                 <a:latin typeface="Times New Roman"/>
                 <a:cs typeface="Times New Roman"/>
               </a:rPr>
-              <a:t>'],</a:t>
+              <a:t>’]</a:t>
             </a:r>
           </a:p>
           <a:p>
@@ -16010,122 +15906,8 @@
                 <a:latin typeface="Times New Roman"/>
                 <a:cs typeface="Times New Roman"/>
               </a:rPr>
-              <a:t>[16.7719, 'OKPD'],</a:t>
-            </a:r>
-          </a:p>
-          <a:p>
-            <a:r>
-              <a:rPr lang="en-US" dirty="0">
-                <a:latin typeface="Times New Roman"/>
-                <a:cs typeface="Times New Roman"/>
-              </a:rPr>
-              <a:t>[1.1281, '</a:t>
-            </a:r>
-            <a:r>
-              <a:rPr lang="en-US" dirty="0" err="1">
-                <a:latin typeface="Times New Roman"/>
-                <a:cs typeface="Times New Roman"/>
-              </a:rPr>
-              <a:t>KVRInfo</a:t>
-            </a:r>
-            <a:r>
-              <a:rPr lang="en-US" dirty="0">
-                <a:latin typeface="Times New Roman"/>
-                <a:cs typeface="Times New Roman"/>
-              </a:rPr>
-              <a:t>'],</a:t>
-            </a:r>
-          </a:p>
-          <a:p>
-            <a:r>
-              <a:rPr lang="en-US" dirty="0">
-                <a:latin typeface="Times New Roman"/>
-                <a:cs typeface="Times New Roman"/>
-              </a:rPr>
-              <a:t>[0.0, 'time'],</a:t>
-            </a:r>
-          </a:p>
-          <a:p>
-            <a:r>
-              <a:rPr lang="en-US" dirty="0">
-                <a:latin typeface="Times New Roman"/>
-                <a:cs typeface="Times New Roman"/>
-              </a:rPr>
-              <a:t>[0.0, '</a:t>
-            </a:r>
-            <a:r>
-              <a:rPr lang="en-US" dirty="0" err="1">
-                <a:latin typeface="Times New Roman"/>
-                <a:cs typeface="Times New Roman"/>
-              </a:rPr>
-              <a:t>maxPrice</a:t>
-            </a:r>
-            <a:r>
-              <a:rPr lang="en-US" dirty="0">
-                <a:latin typeface="Times New Roman"/>
-                <a:cs typeface="Times New Roman"/>
-              </a:rPr>
-              <a:t>'],</a:t>
-            </a:r>
-          </a:p>
-          <a:p>
-            <a:r>
-              <a:rPr lang="en-US" dirty="0">
-                <a:latin typeface="Times New Roman"/>
-                <a:cs typeface="Times New Roman"/>
-              </a:rPr>
-              <a:t>[0.0, '</a:t>
-            </a:r>
-            <a:r>
-              <a:rPr lang="en-US" dirty="0" err="1">
-                <a:latin typeface="Times New Roman"/>
-                <a:cs typeface="Times New Roman"/>
-              </a:rPr>
-              <a:t>log_maxPrice</a:t>
-            </a:r>
-            <a:r>
-              <a:rPr lang="en-US" dirty="0">
-                <a:latin typeface="Times New Roman"/>
-                <a:cs typeface="Times New Roman"/>
-              </a:rPr>
-              <a:t>'],</a:t>
-            </a:r>
-          </a:p>
-          <a:p>
-            <a:r>
-              <a:rPr lang="en-US" dirty="0">
-                <a:latin typeface="Times New Roman"/>
-                <a:cs typeface="Times New Roman"/>
-              </a:rPr>
-              <a:t>[0.0, '</a:t>
-            </a:r>
-            <a:r>
-              <a:rPr lang="en-US" dirty="0" err="1">
-                <a:latin typeface="Times New Roman"/>
-                <a:cs typeface="Times New Roman"/>
-              </a:rPr>
-              <a:t>customer_legal_form</a:t>
-            </a:r>
-            <a:r>
-              <a:rPr lang="en-US" dirty="0">
-                <a:latin typeface="Times New Roman"/>
-                <a:cs typeface="Times New Roman"/>
-              </a:rPr>
-              <a:t>'],</a:t>
-            </a:r>
-          </a:p>
-          <a:p>
-            <a:r>
-              <a:rPr lang="en-US" dirty="0">
-                <a:latin typeface="Times New Roman"/>
-                <a:cs typeface="Times New Roman"/>
-              </a:rPr>
-              <a:t>[0.0, 'OKFS’]</a:t>
-            </a:r>
-            <a:endParaRPr lang="ru-RU" dirty="0">
-              <a:latin typeface="Times New Roman"/>
-              <a:cs typeface="Times New Roman"/>
-            </a:endParaRPr>
+              <a:t>[36.0396, 'OKPD’]</a:t>
+            </a:r>
           </a:p>
           <a:p>
             <a:pPr marL="114300" indent="0">
@@ -16275,8 +16057,8 @@
         </p:nvSpPr>
         <p:spPr>
           <a:xfrm>
-            <a:off x="122842" y="2277534"/>
-            <a:ext cx="8520599" cy="3290408"/>
+            <a:off x="122842" y="2571750"/>
+            <a:ext cx="8520599" cy="2996192"/>
           </a:xfrm>
           <a:prstGeom prst="rect">
             <a:avLst/>
@@ -16310,7 +16092,7 @@
               <a:buChar char="●"/>
             </a:pPr>
             <a:r>
-              <a:rPr lang="en-GB" sz="2400" dirty="0">
+              <a:rPr lang="nn-NO" sz="2400" dirty="0">
                 <a:solidFill>
                   <a:schemeClr val="dk1"/>
                 </a:solidFill>
@@ -16319,137 +16101,8 @@
                 <a:cs typeface="Times New Roman"/>
                 <a:sym typeface="Times New Roman"/>
               </a:rPr>
-              <a:t>Accuracy: 0.44563206577595066</a:t>
-            </a:r>
-            <a:endParaRPr sz="2400" dirty="0">
-              <a:solidFill>
-                <a:schemeClr val="dk1"/>
-              </a:solidFill>
-              <a:latin typeface="Times New Roman"/>
-              <a:ea typeface="Times New Roman"/>
-              <a:cs typeface="Times New Roman"/>
-              <a:sym typeface="Times New Roman"/>
-            </a:endParaRPr>
-          </a:p>
-          <a:p>
-            <a:pPr marL="457200" lvl="0" indent="-444500" algn="just" rtl="0">
-              <a:lnSpc>
-                <a:spcPct val="150000"/>
-              </a:lnSpc>
-              <a:spcBef>
-                <a:spcPts val="0"/>
-              </a:spcBef>
-              <a:spcAft>
-                <a:spcPts val="0"/>
-              </a:spcAft>
-              <a:buClr>
-                <a:schemeClr val="dk1"/>
-              </a:buClr>
-              <a:buSzPts val="3400"/>
-              <a:buFont typeface="Times New Roman"/>
-              <a:buChar char="●"/>
-            </a:pPr>
-            <a:r>
-              <a:rPr lang="en-GB" sz="2400" dirty="0">
-                <a:solidFill>
-                  <a:schemeClr val="dk1"/>
-                </a:solidFill>
-                <a:latin typeface="Times New Roman"/>
-                <a:ea typeface="Times New Roman"/>
-                <a:cs typeface="Times New Roman"/>
-                <a:sym typeface="Times New Roman"/>
-              </a:rPr>
-              <a:t>MSE: 4800267388413611.0</a:t>
-            </a:r>
-            <a:endParaRPr sz="2400" dirty="0">
-              <a:solidFill>
-                <a:schemeClr val="dk1"/>
-              </a:solidFill>
-              <a:latin typeface="Times New Roman"/>
-              <a:ea typeface="Times New Roman"/>
-              <a:cs typeface="Times New Roman"/>
-              <a:sym typeface="Times New Roman"/>
-            </a:endParaRPr>
-          </a:p>
-          <a:p>
-            <a:pPr marL="457200" lvl="0" indent="-444500" algn="just" rtl="0">
-              <a:lnSpc>
-                <a:spcPct val="150000"/>
-              </a:lnSpc>
-              <a:spcBef>
-                <a:spcPts val="0"/>
-              </a:spcBef>
-              <a:spcAft>
-                <a:spcPts val="0"/>
-              </a:spcAft>
-              <a:buClr>
-                <a:schemeClr val="dk1"/>
-              </a:buClr>
-              <a:buSzPts val="3400"/>
-              <a:buFont typeface="Times New Roman"/>
-              <a:buChar char="●"/>
-            </a:pPr>
-            <a:r>
-              <a:rPr lang="en-GB" sz="2400" dirty="0">
-                <a:solidFill>
-                  <a:schemeClr val="dk1"/>
-                </a:solidFill>
-                <a:latin typeface="Times New Roman"/>
-                <a:ea typeface="Times New Roman"/>
-                <a:cs typeface="Times New Roman"/>
-                <a:sym typeface="Times New Roman"/>
-              </a:rPr>
-              <a:t>MSLE: 0.32452282831811935</a:t>
-            </a:r>
-            <a:endParaRPr sz="2400" dirty="0">
-              <a:solidFill>
-                <a:schemeClr val="dk1"/>
-              </a:solidFill>
-              <a:latin typeface="Times New Roman"/>
-              <a:ea typeface="Times New Roman"/>
-              <a:cs typeface="Times New Roman"/>
-              <a:sym typeface="Times New Roman"/>
-            </a:endParaRPr>
-          </a:p>
-          <a:p>
-            <a:pPr marL="457200" lvl="0" indent="-444500" algn="just" rtl="0">
-              <a:lnSpc>
-                <a:spcPct val="150000"/>
-              </a:lnSpc>
-              <a:spcBef>
-                <a:spcPts val="0"/>
-              </a:spcBef>
-              <a:spcAft>
-                <a:spcPts val="0"/>
-              </a:spcAft>
-              <a:buClr>
-                <a:schemeClr val="dk1"/>
-              </a:buClr>
-              <a:buSzPts val="3400"/>
-              <a:buFont typeface="Times New Roman"/>
-              <a:buChar char="●"/>
-            </a:pPr>
-            <a:r>
-              <a:rPr lang="en-GB" sz="2400" dirty="0">
-                <a:solidFill>
-                  <a:schemeClr val="dk1"/>
-                </a:solidFill>
-                <a:latin typeface="Times New Roman"/>
-                <a:ea typeface="Times New Roman"/>
-                <a:cs typeface="Times New Roman"/>
-                <a:sym typeface="Times New Roman"/>
-              </a:rPr>
-              <a:t>RMSLE: 0.569669051571278</a:t>
-            </a:r>
-            <a:endParaRPr sz="2400" dirty="0">
-              <a:solidFill>
-                <a:schemeClr val="dk1"/>
-              </a:solidFill>
-              <a:latin typeface="Times New Roman"/>
-              <a:ea typeface="Times New Roman"/>
-              <a:cs typeface="Times New Roman"/>
-              <a:sym typeface="Times New Roman"/>
-            </a:endParaRPr>
+              <a:t>Accuracy: 0.7325485336637753</a:t>
+            </a:r>
           </a:p>
         </p:txBody>
       </p:sp>
@@ -16505,10 +16158,10 @@
       </p:sp>
       <p:pic>
         <p:nvPicPr>
-          <p:cNvPr id="5" name="Рисунок 4">
+          <p:cNvPr id="8" name="Рисунок 7">
             <a:extLst>
               <a:ext uri="{FF2B5EF4-FFF2-40B4-BE49-F238E27FC236}">
-                <a16:creationId xmlns:a16="http://schemas.microsoft.com/office/drawing/2014/main" id="{20864236-BF1E-4D8C-A35D-C533EA59594B}"/>
+                <a16:creationId xmlns:a16="http://schemas.microsoft.com/office/drawing/2014/main" id="{DF01D847-A6A1-4930-8B5A-B77D5CDE556F}"/>
               </a:ext>
             </a:extLst>
           </p:cNvPr>
@@ -16519,13 +16172,13 @@
         </p:nvPicPr>
         <p:blipFill rotWithShape="1">
           <a:blip r:embed="rId3"/>
-          <a:srcRect l="14259" t="33546" r="50000" b="43701"/>
+          <a:srcRect l="7500" t="37195" r="41481" b="30526"/>
           <a:stretch/>
         </p:blipFill>
         <p:spPr>
           <a:xfrm>
-            <a:off x="311700" y="1014091"/>
-            <a:ext cx="3904700" cy="1397602"/>
+            <a:off x="592666" y="1017725"/>
+            <a:ext cx="4665133" cy="1659466"/>
           </a:xfrm>
           <a:prstGeom prst="rect">
             <a:avLst/>
@@ -16626,7 +16279,7 @@
         </p:spPr>
         <p:txBody>
           <a:bodyPr>
-            <a:normAutofit fontScale="92500" lnSpcReduction="10000"/>
+            <a:normAutofit/>
           </a:bodyPr>
           <a:lstStyle/>
           <a:p>
@@ -16639,7 +16292,7 @@
                 <a:latin typeface="Times New Roman" panose="02020603050405020304" pitchFamily="18" charset="0"/>
                 <a:cs typeface="Times New Roman" panose="02020603050405020304" pitchFamily="18" charset="0"/>
               </a:rPr>
-              <a:t> [40.0525, '</a:t>
+              <a:t>[38.4283, '</a:t>
             </a:r>
             <a:r>
               <a:rPr lang="en-US" b="0" i="0" dirty="0" err="1">
@@ -16650,7 +16303,7 @@
                 <a:latin typeface="Times New Roman" panose="02020603050405020304" pitchFamily="18" charset="0"/>
                 <a:cs typeface="Times New Roman" panose="02020603050405020304" pitchFamily="18" charset="0"/>
               </a:rPr>
-              <a:t>log_maxPrice</a:t>
+              <a:t>maxPrice</a:t>
             </a:r>
             <a:r>
               <a:rPr lang="en-US" b="0" i="0" dirty="0">
@@ -16674,7 +16327,7 @@
                 <a:latin typeface="Times New Roman" panose="02020603050405020304" pitchFamily="18" charset="0"/>
                 <a:cs typeface="Times New Roman" panose="02020603050405020304" pitchFamily="18" charset="0"/>
               </a:rPr>
-              <a:t> [26.781, '</a:t>
+              <a:t> [20.6946, '</a:t>
             </a:r>
             <a:r>
               <a:rPr lang="en-US" b="0" i="0" dirty="0" err="1">
@@ -16685,7 +16338,7 @@
                 <a:latin typeface="Times New Roman" panose="02020603050405020304" pitchFamily="18" charset="0"/>
                 <a:cs typeface="Times New Roman" panose="02020603050405020304" pitchFamily="18" charset="0"/>
               </a:rPr>
-              <a:t>maxPrice</a:t>
+              <a:t>customer_legal_form</a:t>
             </a:r>
             <a:r>
               <a:rPr lang="en-US" b="0" i="0" dirty="0">
@@ -16709,10 +16362,12 @@
                 <a:latin typeface="Times New Roman" panose="02020603050405020304" pitchFamily="18" charset="0"/>
                 <a:cs typeface="Times New Roman" panose="02020603050405020304" pitchFamily="18" charset="0"/>
               </a:rPr>
-              <a:t> [8.3068, '</a:t>
-            </a:r>
-            <a:r>
-              <a:rPr lang="en-US" b="0" i="0" dirty="0" err="1">
+              <a:t> [18.6129, 'OKPD'],</a:t>
+            </a:r>
+          </a:p>
+          <a:p>
+            <a:r>
+              <a:rPr lang="en-US" b="0" i="0" dirty="0">
                 <a:solidFill>
                   <a:schemeClr val="tx1"/>
                 </a:solidFill>
@@ -16720,8 +16375,10 @@
                 <a:latin typeface="Times New Roman" panose="02020603050405020304" pitchFamily="18" charset="0"/>
                 <a:cs typeface="Times New Roman" panose="02020603050405020304" pitchFamily="18" charset="0"/>
               </a:rPr>
-              <a:t>plan_number</a:t>
-            </a:r>
+              <a:t> [18.1977, 'time'],</a:t>
+            </a:r>
+          </a:p>
+          <a:p>
             <a:r>
               <a:rPr lang="en-US" b="0" i="0" dirty="0">
                 <a:solidFill>
@@ -16731,7 +16388,7 @@
                 <a:latin typeface="Times New Roman" panose="02020603050405020304" pitchFamily="18" charset="0"/>
                 <a:cs typeface="Times New Roman" panose="02020603050405020304" pitchFamily="18" charset="0"/>
               </a:rPr>
-              <a:t>'],</a:t>
+              <a:t> [3.971, 'OKFS'],</a:t>
             </a:r>
           </a:p>
           <a:p>
@@ -16744,116 +16401,7 @@
                 <a:latin typeface="Times New Roman" panose="02020603050405020304" pitchFamily="18" charset="0"/>
                 <a:cs typeface="Times New Roman" panose="02020603050405020304" pitchFamily="18" charset="0"/>
               </a:rPr>
-              <a:t> [7.5082, 'OKPD'],</a:t>
-            </a:r>
-          </a:p>
-          <a:p>
-            <a:r>
-              <a:rPr lang="en-US" b="0" i="0" dirty="0">
-                <a:solidFill>
-                  <a:schemeClr val="tx1"/>
-                </a:solidFill>
-                <a:effectLst/>
-                <a:latin typeface="Times New Roman" panose="02020603050405020304" pitchFamily="18" charset="0"/>
-                <a:cs typeface="Times New Roman" panose="02020603050405020304" pitchFamily="18" charset="0"/>
-              </a:rPr>
-              <a:t> [5.8201, 'time'],</a:t>
-            </a:r>
-          </a:p>
-          <a:p>
-            <a:r>
-              <a:rPr lang="en-US" b="0" i="0" dirty="0">
-                <a:solidFill>
-                  <a:schemeClr val="tx1"/>
-                </a:solidFill>
-                <a:effectLst/>
-                <a:latin typeface="Times New Roman" panose="02020603050405020304" pitchFamily="18" charset="0"/>
-                <a:cs typeface="Times New Roman" panose="02020603050405020304" pitchFamily="18" charset="0"/>
-              </a:rPr>
-              <a:t> [5.4825, '</a:t>
-            </a:r>
-            <a:r>
-              <a:rPr lang="en-US" b="0" i="0" dirty="0" err="1">
-                <a:solidFill>
-                  <a:schemeClr val="tx1"/>
-                </a:solidFill>
-                <a:effectLst/>
-                <a:latin typeface="Times New Roman" panose="02020603050405020304" pitchFamily="18" charset="0"/>
-                <a:cs typeface="Times New Roman" panose="02020603050405020304" pitchFamily="18" charset="0"/>
-              </a:rPr>
-              <a:t>customer_legal_form</a:t>
-            </a:r>
-            <a:r>
-              <a:rPr lang="en-US" b="0" i="0" dirty="0">
-                <a:solidFill>
-                  <a:schemeClr val="tx1"/>
-                </a:solidFill>
-                <a:effectLst/>
-                <a:latin typeface="Times New Roman" panose="02020603050405020304" pitchFamily="18" charset="0"/>
-                <a:cs typeface="Times New Roman" panose="02020603050405020304" pitchFamily="18" charset="0"/>
-              </a:rPr>
-              <a:t>'],</a:t>
-            </a:r>
-          </a:p>
-          <a:p>
-            <a:r>
-              <a:rPr lang="en-US" b="0" i="0" dirty="0">
-                <a:solidFill>
-                  <a:schemeClr val="tx1"/>
-                </a:solidFill>
-                <a:effectLst/>
-                <a:latin typeface="Times New Roman" panose="02020603050405020304" pitchFamily="18" charset="0"/>
-                <a:cs typeface="Times New Roman" panose="02020603050405020304" pitchFamily="18" charset="0"/>
-              </a:rPr>
-              <a:t> [3.6358, '</a:t>
-            </a:r>
-            <a:r>
-              <a:rPr lang="en-US" b="0" i="0" dirty="0" err="1">
-                <a:solidFill>
-                  <a:schemeClr val="tx1"/>
-                </a:solidFill>
-                <a:effectLst/>
-                <a:latin typeface="Times New Roman" panose="02020603050405020304" pitchFamily="18" charset="0"/>
-                <a:cs typeface="Times New Roman" panose="02020603050405020304" pitchFamily="18" charset="0"/>
-              </a:rPr>
-              <a:t>KVRInfo</a:t>
-            </a:r>
-            <a:r>
-              <a:rPr lang="en-US" b="0" i="0" dirty="0">
-                <a:solidFill>
-                  <a:schemeClr val="tx1"/>
-                </a:solidFill>
-                <a:effectLst/>
-                <a:latin typeface="Times New Roman" panose="02020603050405020304" pitchFamily="18" charset="0"/>
-                <a:cs typeface="Times New Roman" panose="02020603050405020304" pitchFamily="18" charset="0"/>
-              </a:rPr>
-              <a:t>'],</a:t>
-            </a:r>
-          </a:p>
-          <a:p>
-            <a:r>
-              <a:rPr lang="en-US" b="0" i="0" dirty="0">
-                <a:solidFill>
-                  <a:schemeClr val="tx1"/>
-                </a:solidFill>
-                <a:effectLst/>
-                <a:latin typeface="Times New Roman" panose="02020603050405020304" pitchFamily="18" charset="0"/>
-                <a:cs typeface="Times New Roman" panose="02020603050405020304" pitchFamily="18" charset="0"/>
-              </a:rPr>
-              <a:t> [2.4113, 'OKFS'],</a:t>
-            </a:r>
-          </a:p>
-          <a:p>
-            <a:r>
-              <a:rPr lang="en-US" b="0" i="0" dirty="0">
-                <a:solidFill>
-                  <a:schemeClr val="tx1"/>
-                </a:solidFill>
-                <a:effectLst/>
-                <a:latin typeface="Times New Roman" panose="02020603050405020304" pitchFamily="18" charset="0"/>
-                <a:cs typeface="Times New Roman" panose="02020603050405020304" pitchFamily="18" charset="0"/>
-              </a:rPr>
-              <a:t> [0.0018, '</a:t>
+              <a:t> [0.0955, '</a:t>
             </a:r>
             <a:r>
               <a:rPr lang="en-US" b="0" i="0" dirty="0" err="1">
@@ -20562,10 +20110,30 @@
               <a:buChar char="●"/>
             </a:pPr>
             <a:r>
-              <a:rPr lang="en-GB"/>
-              <a:t>Полносвязные нейросети (Keras)</a:t>
-            </a:r>
-            <a:endParaRPr/>
+              <a:rPr lang="en-GB" dirty="0" err="1"/>
+              <a:t>Полносвязные</a:t>
+            </a:r>
+            <a:r>
+              <a:rPr lang="en-GB" dirty="0"/>
+              <a:t> </a:t>
+            </a:r>
+            <a:r>
+              <a:rPr lang="en-GB" dirty="0" err="1"/>
+              <a:t>нейросети</a:t>
+            </a:r>
+            <a:r>
+              <a:rPr lang="en-GB" dirty="0"/>
+              <a:t> (</a:t>
+            </a:r>
+            <a:r>
+              <a:rPr lang="en-GB" dirty="0" err="1"/>
+              <a:t>Keras</a:t>
+            </a:r>
+            <a:r>
+              <a:rPr lang="en-GB" dirty="0"/>
+              <a:t>)</a:t>
+            </a:r>
+            <a:endParaRPr dirty="0"/>
           </a:p>
           <a:p>
             <a:pPr marL="457200" lvl="0" indent="-342900" algn="l" rtl="0">
@@ -20585,10 +20153,22 @@
               <a:buChar char="●"/>
             </a:pPr>
             <a:r>
-              <a:rPr lang="en-GB"/>
-              <a:t>Адаптивный бустинг (AdaBoost)</a:t>
-            </a:r>
-            <a:endParaRPr/>
+              <a:rPr lang="en-GB" dirty="0" err="1"/>
+              <a:t>Адаптивный</a:t>
+            </a:r>
+            <a:r>
+              <a:rPr lang="en-GB" dirty="0"/>
+              <a:t> </a:t>
+            </a:r>
+            <a:r>
+              <a:rPr lang="en-GB" dirty="0" err="1"/>
+              <a:t>бустинг</a:t>
+            </a:r>
+            <a:r>
+              <a:rPr lang="en-GB" dirty="0"/>
+              <a:t> (AdaBoost)</a:t>
+            </a:r>
+            <a:endParaRPr dirty="0"/>
           </a:p>
           <a:p>
             <a:pPr marL="457200" lvl="0" indent="-342900" algn="l" rtl="0">
@@ -20608,10 +20188,46 @@
               <a:buChar char="●"/>
             </a:pPr>
             <a:r>
-              <a:rPr lang="en-GB"/>
-              <a:t>Градиентный бустинг (CatBoost, XGBoost, LightGBM)</a:t>
-            </a:r>
-            <a:endParaRPr/>
+              <a:rPr lang="en-GB" dirty="0" err="1"/>
+              <a:t>Градиентный</a:t>
+            </a:r>
+            <a:r>
+              <a:rPr lang="en-GB" dirty="0"/>
+              <a:t> </a:t>
+            </a:r>
+            <a:r>
+              <a:rPr lang="en-GB" dirty="0" err="1"/>
+              <a:t>бустинг</a:t>
+            </a:r>
+            <a:r>
+              <a:rPr lang="en-GB" dirty="0"/>
+              <a:t> (</a:t>
+            </a:r>
+            <a:r>
+              <a:rPr lang="en-GB" dirty="0" err="1"/>
+              <a:t>CatBoost</a:t>
+            </a:r>
+            <a:r>
+              <a:rPr lang="en-GB" dirty="0"/>
+              <a:t>, </a:t>
+            </a:r>
+            <a:r>
+              <a:rPr lang="en-GB" dirty="0" err="1"/>
+              <a:t>XGBoost</a:t>
+            </a:r>
+            <a:r>
+              <a:rPr lang="en-GB" dirty="0"/>
+              <a:t>, </a:t>
+            </a:r>
+            <a:r>
+              <a:rPr lang="en-GB" dirty="0" err="1"/>
+              <a:t>LightGBM</a:t>
+            </a:r>
+            <a:r>
+              <a:rPr lang="en-GB" dirty="0"/>
+              <a:t>)</a:t>
+            </a:r>
+            <a:endParaRPr dirty="0"/>
           </a:p>
           <a:p>
             <a:pPr marL="457200" lvl="0" indent="-342900" algn="l" rtl="0">
@@ -20631,10 +20247,22 @@
               <a:buChar char="●"/>
             </a:pPr>
             <a:r>
-              <a:rPr lang="en-GB"/>
-              <a:t>Линейная регрессия (scikit-learn)</a:t>
-            </a:r>
-            <a:endParaRPr/>
+              <a:rPr lang="en-GB" dirty="0" err="1"/>
+              <a:t>Линейная</a:t>
+            </a:r>
+            <a:r>
+              <a:rPr lang="en-GB" dirty="0"/>
+              <a:t> </a:t>
+            </a:r>
+            <a:r>
+              <a:rPr lang="en-GB" dirty="0" err="1"/>
+              <a:t>регрессия</a:t>
+            </a:r>
+            <a:r>
+              <a:rPr lang="en-GB" dirty="0"/>
+              <a:t> (scikit-learn)</a:t>
+            </a:r>
+            <a:endParaRPr dirty="0"/>
           </a:p>
         </p:txBody>
       </p:sp>
